--- a/docs/rms_favicon.pptx
+++ b/docs/rms_favicon.pptx
@@ -262,7 +262,7 @@
           <a:p>
             <a:fld id="{F1B1E19E-33D7-4A8A-A22A-1F0C8B43ED98}" type="datetimeFigureOut">
               <a:rPr kumimoji="1" lang="ja-JP" altLang="en-US" smtClean="0"/>
-              <a:t>2022/1/26</a:t>
+              <a:t>2022/2/14</a:t>
             </a:fld>
             <a:endParaRPr kumimoji="1" lang="ja-JP" altLang="en-US"/>
           </a:p>
@@ -492,7 +492,7 @@
           <a:p>
             <a:fld id="{F1B1E19E-33D7-4A8A-A22A-1F0C8B43ED98}" type="datetimeFigureOut">
               <a:rPr kumimoji="1" lang="ja-JP" altLang="en-US" smtClean="0"/>
-              <a:t>2022/1/26</a:t>
+              <a:t>2022/2/14</a:t>
             </a:fld>
             <a:endParaRPr kumimoji="1" lang="ja-JP" altLang="en-US"/>
           </a:p>
@@ -732,7 +732,7 @@
           <a:p>
             <a:fld id="{F1B1E19E-33D7-4A8A-A22A-1F0C8B43ED98}" type="datetimeFigureOut">
               <a:rPr kumimoji="1" lang="ja-JP" altLang="en-US" smtClean="0"/>
-              <a:t>2022/1/26</a:t>
+              <a:t>2022/2/14</a:t>
             </a:fld>
             <a:endParaRPr kumimoji="1" lang="ja-JP" altLang="en-US"/>
           </a:p>
@@ -962,7 +962,7 @@
           <a:p>
             <a:fld id="{F1B1E19E-33D7-4A8A-A22A-1F0C8B43ED98}" type="datetimeFigureOut">
               <a:rPr kumimoji="1" lang="ja-JP" altLang="en-US" smtClean="0"/>
-              <a:t>2022/1/26</a:t>
+              <a:t>2022/2/14</a:t>
             </a:fld>
             <a:endParaRPr kumimoji="1" lang="ja-JP" altLang="en-US"/>
           </a:p>
@@ -1237,7 +1237,7 @@
           <a:p>
             <a:fld id="{F1B1E19E-33D7-4A8A-A22A-1F0C8B43ED98}" type="datetimeFigureOut">
               <a:rPr kumimoji="1" lang="ja-JP" altLang="en-US" smtClean="0"/>
-              <a:t>2022/1/26</a:t>
+              <a:t>2022/2/14</a:t>
             </a:fld>
             <a:endParaRPr kumimoji="1" lang="ja-JP" altLang="en-US"/>
           </a:p>
@@ -1566,7 +1566,7 @@
           <a:p>
             <a:fld id="{F1B1E19E-33D7-4A8A-A22A-1F0C8B43ED98}" type="datetimeFigureOut">
               <a:rPr kumimoji="1" lang="ja-JP" altLang="en-US" smtClean="0"/>
-              <a:t>2022/1/26</a:t>
+              <a:t>2022/2/14</a:t>
             </a:fld>
             <a:endParaRPr kumimoji="1" lang="ja-JP" altLang="en-US"/>
           </a:p>
@@ -2042,7 +2042,7 @@
           <a:p>
             <a:fld id="{F1B1E19E-33D7-4A8A-A22A-1F0C8B43ED98}" type="datetimeFigureOut">
               <a:rPr kumimoji="1" lang="ja-JP" altLang="en-US" smtClean="0"/>
-              <a:t>2022/1/26</a:t>
+              <a:t>2022/2/14</a:t>
             </a:fld>
             <a:endParaRPr kumimoji="1" lang="ja-JP" altLang="en-US"/>
           </a:p>
@@ -2183,7 +2183,7 @@
           <a:p>
             <a:fld id="{F1B1E19E-33D7-4A8A-A22A-1F0C8B43ED98}" type="datetimeFigureOut">
               <a:rPr kumimoji="1" lang="ja-JP" altLang="en-US" smtClean="0"/>
-              <a:t>2022/1/26</a:t>
+              <a:t>2022/2/14</a:t>
             </a:fld>
             <a:endParaRPr kumimoji="1" lang="ja-JP" altLang="en-US"/>
           </a:p>
@@ -2296,7 +2296,7 @@
           <a:p>
             <a:fld id="{F1B1E19E-33D7-4A8A-A22A-1F0C8B43ED98}" type="datetimeFigureOut">
               <a:rPr kumimoji="1" lang="ja-JP" altLang="en-US" smtClean="0"/>
-              <a:t>2022/1/26</a:t>
+              <a:t>2022/2/14</a:t>
             </a:fld>
             <a:endParaRPr kumimoji="1" lang="ja-JP" altLang="en-US"/>
           </a:p>
@@ -2639,7 +2639,7 @@
           <a:p>
             <a:fld id="{F1B1E19E-33D7-4A8A-A22A-1F0C8B43ED98}" type="datetimeFigureOut">
               <a:rPr kumimoji="1" lang="ja-JP" altLang="en-US" smtClean="0"/>
-              <a:t>2022/1/26</a:t>
+              <a:t>2022/2/14</a:t>
             </a:fld>
             <a:endParaRPr kumimoji="1" lang="ja-JP" altLang="en-US"/>
           </a:p>
@@ -2927,7 +2927,7 @@
           <a:p>
             <a:fld id="{F1B1E19E-33D7-4A8A-A22A-1F0C8B43ED98}" type="datetimeFigureOut">
               <a:rPr kumimoji="1" lang="ja-JP" altLang="en-US" smtClean="0"/>
-              <a:t>2022/1/26</a:t>
+              <a:t>2022/2/14</a:t>
             </a:fld>
             <a:endParaRPr kumimoji="1" lang="ja-JP" altLang="en-US"/>
           </a:p>
@@ -3200,7 +3200,7 @@
           <a:p>
             <a:fld id="{F1B1E19E-33D7-4A8A-A22A-1F0C8B43ED98}" type="datetimeFigureOut">
               <a:rPr kumimoji="1" lang="ja-JP" altLang="en-US" smtClean="0"/>
-              <a:t>2022/1/26</a:t>
+              <a:t>2022/2/14</a:t>
             </a:fld>
             <a:endParaRPr kumimoji="1" lang="ja-JP" altLang="en-US"/>
           </a:p>
@@ -3951,6 +3951,9 @@
           <a:prstGeom prst="rect">
             <a:avLst/>
           </a:prstGeom>
+          <a:solidFill>
+            <a:schemeClr val="accent4"/>
+          </a:solidFill>
         </p:spPr>
       </p:pic>
     </p:spTree>
